--- a/doc/Midterm Report.pptx
+++ b/doc/Midterm Report.pptx
@@ -111,6 +111,11 @@
       </a:defRPr>
     </a:lvl9pPr>
   </p:defaultTextStyle>
+  <p:extLst>
+    <p:ext uri="{EFAFB233-063F-42B5-8137-9DF3F51BA10A}">
+      <p15:sldGuideLst xmlns:p15="http://schemas.microsoft.com/office/powerpoint/2012/main"/>
+    </p:ext>
+  </p:extLst>
 </p:presentation>
 </file>
 
@@ -261,7 +266,7 @@
           <a:p>
             <a:fld id="{70632328-27DD-4000-B32C-B0BE9BD6F742}" type="datetimeFigureOut">
               <a:rPr lang="de-DE" smtClean="0"/>
-              <a:t>11.11.2024</a:t>
+              <a:t>12.11.2024</a:t>
             </a:fld>
             <a:endParaRPr lang="de-DE"/>
           </a:p>
@@ -459,7 +464,7 @@
           <a:p>
             <a:fld id="{70632328-27DD-4000-B32C-B0BE9BD6F742}" type="datetimeFigureOut">
               <a:rPr lang="de-DE" smtClean="0"/>
-              <a:t>11.11.2024</a:t>
+              <a:t>12.11.2024</a:t>
             </a:fld>
             <a:endParaRPr lang="de-DE"/>
           </a:p>
@@ -667,7 +672,7 @@
           <a:p>
             <a:fld id="{70632328-27DD-4000-B32C-B0BE9BD6F742}" type="datetimeFigureOut">
               <a:rPr lang="de-DE" smtClean="0"/>
-              <a:t>11.11.2024</a:t>
+              <a:t>12.11.2024</a:t>
             </a:fld>
             <a:endParaRPr lang="de-DE"/>
           </a:p>
@@ -865,7 +870,7 @@
           <a:p>
             <a:fld id="{70632328-27DD-4000-B32C-B0BE9BD6F742}" type="datetimeFigureOut">
               <a:rPr lang="de-DE" smtClean="0"/>
-              <a:t>11.11.2024</a:t>
+              <a:t>12.11.2024</a:t>
             </a:fld>
             <a:endParaRPr lang="de-DE"/>
           </a:p>
@@ -1140,7 +1145,7 @@
           <a:p>
             <a:fld id="{70632328-27DD-4000-B32C-B0BE9BD6F742}" type="datetimeFigureOut">
               <a:rPr lang="de-DE" smtClean="0"/>
-              <a:t>11.11.2024</a:t>
+              <a:t>12.11.2024</a:t>
             </a:fld>
             <a:endParaRPr lang="de-DE"/>
           </a:p>
@@ -1405,7 +1410,7 @@
           <a:p>
             <a:fld id="{70632328-27DD-4000-B32C-B0BE9BD6F742}" type="datetimeFigureOut">
               <a:rPr lang="de-DE" smtClean="0"/>
-              <a:t>11.11.2024</a:t>
+              <a:t>12.11.2024</a:t>
             </a:fld>
             <a:endParaRPr lang="de-DE"/>
           </a:p>
@@ -1817,7 +1822,7 @@
           <a:p>
             <a:fld id="{70632328-27DD-4000-B32C-B0BE9BD6F742}" type="datetimeFigureOut">
               <a:rPr lang="de-DE" smtClean="0"/>
-              <a:t>11.11.2024</a:t>
+              <a:t>12.11.2024</a:t>
             </a:fld>
             <a:endParaRPr lang="de-DE"/>
           </a:p>
@@ -1958,7 +1963,7 @@
           <a:p>
             <a:fld id="{70632328-27DD-4000-B32C-B0BE9BD6F742}" type="datetimeFigureOut">
               <a:rPr lang="de-DE" smtClean="0"/>
-              <a:t>11.11.2024</a:t>
+              <a:t>12.11.2024</a:t>
             </a:fld>
             <a:endParaRPr lang="de-DE"/>
           </a:p>
@@ -2071,7 +2076,7 @@
           <a:p>
             <a:fld id="{70632328-27DD-4000-B32C-B0BE9BD6F742}" type="datetimeFigureOut">
               <a:rPr lang="de-DE" smtClean="0"/>
-              <a:t>11.11.2024</a:t>
+              <a:t>12.11.2024</a:t>
             </a:fld>
             <a:endParaRPr lang="de-DE"/>
           </a:p>
@@ -2382,7 +2387,7 @@
           <a:p>
             <a:fld id="{70632328-27DD-4000-B32C-B0BE9BD6F742}" type="datetimeFigureOut">
               <a:rPr lang="de-DE" smtClean="0"/>
-              <a:t>11.11.2024</a:t>
+              <a:t>12.11.2024</a:t>
             </a:fld>
             <a:endParaRPr lang="de-DE"/>
           </a:p>
@@ -2670,7 +2675,7 @@
           <a:p>
             <a:fld id="{70632328-27DD-4000-B32C-B0BE9BD6F742}" type="datetimeFigureOut">
               <a:rPr lang="de-DE" smtClean="0"/>
-              <a:t>11.11.2024</a:t>
+              <a:t>12.11.2024</a:t>
             </a:fld>
             <a:endParaRPr lang="de-DE"/>
           </a:p>
@@ -2911,7 +2916,7 @@
           <a:p>
             <a:fld id="{70632328-27DD-4000-B32C-B0BE9BD6F742}" type="datetimeFigureOut">
               <a:rPr lang="de-DE" smtClean="0"/>
-              <a:t>11.11.2024</a:t>
+              <a:t>12.11.2024</a:t>
             </a:fld>
             <a:endParaRPr lang="de-DE"/>
           </a:p>
@@ -3351,7 +3356,7 @@
           <a:p>
             <a:r>
               <a:rPr lang="de-DE" dirty="0" err="1"/>
-              <a:t>Midterm</a:t>
+              <a:t>Preliminary</a:t>
             </a:r>
             <a:r>
               <a:rPr lang="de-DE" dirty="0"/>
@@ -3556,7 +3561,7 @@
             <a:lstStyle/>
             <a:p>
               <a:pPr algn="ctr"/>
-              <a:endParaRPr lang="de-DE"/>
+              <a:endParaRPr lang="de-DE" dirty="0"/>
             </a:p>
           </p:txBody>
         </p:sp>
@@ -5110,7 +5115,7 @@
       </p:sp>
       <p:grpSp>
         <p:nvGrpSpPr>
-          <p:cNvPr id="4" name="Gruppieren 3">
+          <p:cNvPr id="3" name="Gruppieren 2">
             <a:extLst>
               <a:ext uri="{FF2B5EF4-FFF2-40B4-BE49-F238E27FC236}">
                 <a16:creationId xmlns:a16="http://schemas.microsoft.com/office/drawing/2014/main" id="{046BB89B-0DA2-10CD-52FC-A73F71475B5C}"/>
@@ -5130,7 +5135,7 @@
         </p:grpSpPr>
         <p:sp>
           <p:nvSpPr>
-            <p:cNvPr id="5" name="Rechteck 4">
+            <p:cNvPr id="28" name="Rechteck 27">
               <a:extLst>
                 <a:ext uri="{FF2B5EF4-FFF2-40B4-BE49-F238E27FC236}">
                   <a16:creationId xmlns:a16="http://schemas.microsoft.com/office/drawing/2014/main" id="{62EF72E4-F625-DE01-6CBB-AC6412F5D725}"/>
@@ -5187,7 +5192,7 @@
         </p:sp>
         <p:grpSp>
           <p:nvGrpSpPr>
-            <p:cNvPr id="6" name="Gruppieren 5">
+            <p:cNvPr id="31" name="Gruppieren 30">
               <a:extLst>
                 <a:ext uri="{FF2B5EF4-FFF2-40B4-BE49-F238E27FC236}">
                   <a16:creationId xmlns:a16="http://schemas.microsoft.com/office/drawing/2014/main" id="{73803880-7E66-4308-054B-28DC5BEC92CC}"/>
@@ -5207,7 +5212,7 @@
           </p:grpSpPr>
           <p:sp>
             <p:nvSpPr>
-              <p:cNvPr id="20" name="Ellipse 19">
+              <p:cNvPr id="45" name="Ellipse 44">
                 <a:extLst>
                   <a:ext uri="{FF2B5EF4-FFF2-40B4-BE49-F238E27FC236}">
                     <a16:creationId xmlns:a16="http://schemas.microsoft.com/office/drawing/2014/main" id="{A3CE0142-4C71-518D-4B43-7F0C0DFEA429}"/>
@@ -5260,7 +5265,7 @@
           </p:sp>
           <p:grpSp>
             <p:nvGrpSpPr>
-              <p:cNvPr id="21" name="Gruppieren 20">
+              <p:cNvPr id="46" name="Gruppieren 45">
                 <a:extLst>
                   <a:ext uri="{FF2B5EF4-FFF2-40B4-BE49-F238E27FC236}">
                     <a16:creationId xmlns:a16="http://schemas.microsoft.com/office/drawing/2014/main" id="{5D0B0808-4C4B-3158-AC4A-EFA164149E43}"/>
@@ -5280,7 +5285,7 @@
             </p:grpSpPr>
             <p:cxnSp>
               <p:nvCxnSpPr>
-                <p:cNvPr id="22" name="Gerader Verbinder 21">
+                <p:cNvPr id="47" name="Gerader Verbinder 46">
                   <a:extLst>
                     <a:ext uri="{FF2B5EF4-FFF2-40B4-BE49-F238E27FC236}">
                       <a16:creationId xmlns:a16="http://schemas.microsoft.com/office/drawing/2014/main" id="{45386CB2-B2D8-9626-22F9-92806F337AC3}"/>
@@ -5324,7 +5329,7 @@
             </p:cxnSp>
             <p:cxnSp>
               <p:nvCxnSpPr>
-                <p:cNvPr id="23" name="Gerader Verbinder 22">
+                <p:cNvPr id="48" name="Gerader Verbinder 47">
                   <a:extLst>
                     <a:ext uri="{FF2B5EF4-FFF2-40B4-BE49-F238E27FC236}">
                       <a16:creationId xmlns:a16="http://schemas.microsoft.com/office/drawing/2014/main" id="{F973DCEB-6F73-7122-F303-AC118B5201B7}"/>
@@ -5368,7 +5373,7 @@
             </p:cxnSp>
             <p:sp>
               <p:nvSpPr>
-                <p:cNvPr id="24" name="Textfeld 23">
+                <p:cNvPr id="49" name="Textfeld 48">
                   <a:extLst>
                     <a:ext uri="{FF2B5EF4-FFF2-40B4-BE49-F238E27FC236}">
                       <a16:creationId xmlns:a16="http://schemas.microsoft.com/office/drawing/2014/main" id="{730CB797-4CDC-7E1E-D3EB-F040DA443857}"/>
@@ -5403,7 +5408,7 @@
             </p:sp>
             <p:sp>
               <p:nvSpPr>
-                <p:cNvPr id="25" name="Textfeld 24">
+                <p:cNvPr id="50" name="Textfeld 49">
                   <a:extLst>
                     <a:ext uri="{FF2B5EF4-FFF2-40B4-BE49-F238E27FC236}">
                       <a16:creationId xmlns:a16="http://schemas.microsoft.com/office/drawing/2014/main" id="{0EAF9D28-FE3B-5ACD-0DF2-FD3CE8FAB721}"/>
@@ -5438,7 +5443,7 @@
             </p:sp>
             <p:sp>
               <p:nvSpPr>
-                <p:cNvPr id="26" name="Textfeld 25">
+                <p:cNvPr id="51" name="Textfeld 50">
                   <a:extLst>
                     <a:ext uri="{FF2B5EF4-FFF2-40B4-BE49-F238E27FC236}">
                       <a16:creationId xmlns:a16="http://schemas.microsoft.com/office/drawing/2014/main" id="{E26A3131-35C1-B30B-6BA9-92589FBA7E24}"/>
@@ -5473,7 +5478,7 @@
             </p:sp>
             <p:sp>
               <p:nvSpPr>
-                <p:cNvPr id="27" name="Textfeld 26">
+                <p:cNvPr id="52" name="Textfeld 51">
                   <a:extLst>
                     <a:ext uri="{FF2B5EF4-FFF2-40B4-BE49-F238E27FC236}">
                       <a16:creationId xmlns:a16="http://schemas.microsoft.com/office/drawing/2014/main" id="{4B3FA592-81C1-B53A-D9C3-DA19164138F6}"/>
@@ -5510,7 +5515,7 @@
         </p:grpSp>
         <p:grpSp>
           <p:nvGrpSpPr>
-            <p:cNvPr id="7" name="Gruppieren 6">
+            <p:cNvPr id="32" name="Gruppieren 31">
               <a:extLst>
                 <a:ext uri="{FF2B5EF4-FFF2-40B4-BE49-F238E27FC236}">
                   <a16:creationId xmlns:a16="http://schemas.microsoft.com/office/drawing/2014/main" id="{49F27308-8EE1-057F-A0C9-333F03898AD8}"/>
@@ -5530,7 +5535,7 @@
           </p:grpSpPr>
           <p:sp>
             <p:nvSpPr>
-              <p:cNvPr id="14" name="Ellipse 13">
+              <p:cNvPr id="39" name="Ellipse 38">
                 <a:extLst>
                   <a:ext uri="{FF2B5EF4-FFF2-40B4-BE49-F238E27FC236}">
                     <a16:creationId xmlns:a16="http://schemas.microsoft.com/office/drawing/2014/main" id="{9B0B1EEE-AC9A-2456-1BEC-52D7420B460B}"/>
@@ -5584,7 +5589,7 @@
           </p:sp>
           <p:grpSp>
             <p:nvGrpSpPr>
-              <p:cNvPr id="15" name="Gruppieren 14">
+              <p:cNvPr id="40" name="Gruppieren 39">
                 <a:extLst>
                   <a:ext uri="{FF2B5EF4-FFF2-40B4-BE49-F238E27FC236}">
                     <a16:creationId xmlns:a16="http://schemas.microsoft.com/office/drawing/2014/main" id="{4B0B82EA-84DD-B282-EE7E-8030DD22D6FD}"/>
@@ -5604,7 +5609,7 @@
             </p:grpSpPr>
             <p:cxnSp>
               <p:nvCxnSpPr>
-                <p:cNvPr id="16" name="Gerader Verbinder 15">
+                <p:cNvPr id="41" name="Gerader Verbinder 40">
                   <a:extLst>
                     <a:ext uri="{FF2B5EF4-FFF2-40B4-BE49-F238E27FC236}">
                       <a16:creationId xmlns:a16="http://schemas.microsoft.com/office/drawing/2014/main" id="{F89A7F29-EB54-80C5-EE3B-64FA5151443C}"/>
@@ -5612,7 +5617,7 @@
                   </a:extLst>
                 </p:cNvPr>
                 <p:cNvCxnSpPr>
-                  <a:stCxn id="14" idx="4"/>
+                  <a:stCxn id="39" idx="4"/>
                 </p:cNvCxnSpPr>
                 <p:nvPr/>
               </p:nvCxnSpPr>
@@ -5648,7 +5653,7 @@
             </p:cxnSp>
             <p:cxnSp>
               <p:nvCxnSpPr>
-                <p:cNvPr id="17" name="Gerader Verbinder 16">
+                <p:cNvPr id="42" name="Gerader Verbinder 41">
                   <a:extLst>
                     <a:ext uri="{FF2B5EF4-FFF2-40B4-BE49-F238E27FC236}">
                       <a16:creationId xmlns:a16="http://schemas.microsoft.com/office/drawing/2014/main" id="{119A8282-3D26-C577-E803-AEDD12480EEB}"/>
@@ -5692,7 +5697,7 @@
             </p:cxnSp>
             <p:cxnSp>
               <p:nvCxnSpPr>
-                <p:cNvPr id="18" name="Gerader Verbinder 17">
+                <p:cNvPr id="43" name="Gerader Verbinder 42">
                   <a:extLst>
                     <a:ext uri="{FF2B5EF4-FFF2-40B4-BE49-F238E27FC236}">
                       <a16:creationId xmlns:a16="http://schemas.microsoft.com/office/drawing/2014/main" id="{D9653EBB-1A27-7AF4-278E-6FCC5F9A23FD}"/>
@@ -5736,7 +5741,7 @@
             </p:cxnSp>
             <p:cxnSp>
               <p:nvCxnSpPr>
-                <p:cNvPr id="19" name="Gerade Verbindung mit Pfeil 18">
+                <p:cNvPr id="44" name="Gerade Verbindung mit Pfeil 43">
                   <a:extLst>
                     <a:ext uri="{FF2B5EF4-FFF2-40B4-BE49-F238E27FC236}">
                       <a16:creationId xmlns:a16="http://schemas.microsoft.com/office/drawing/2014/main" id="{0255B869-9B06-9216-DA21-CFD966899CE1}"/>
@@ -5782,7 +5787,7 @@
         </p:grpSp>
         <p:grpSp>
           <p:nvGrpSpPr>
-            <p:cNvPr id="8" name="Gruppieren 7">
+            <p:cNvPr id="33" name="Gruppieren 32">
               <a:extLst>
                 <a:ext uri="{FF2B5EF4-FFF2-40B4-BE49-F238E27FC236}">
                   <a16:creationId xmlns:a16="http://schemas.microsoft.com/office/drawing/2014/main" id="{6EA0DD76-37E2-9FDC-438A-7BC22FDDC4EF}"/>
@@ -5802,7 +5807,7 @@
           </p:grpSpPr>
           <p:sp>
             <p:nvSpPr>
-              <p:cNvPr id="12" name="Bogen 11">
+              <p:cNvPr id="37" name="Bogen 36">
                 <a:extLst>
                   <a:ext uri="{FF2B5EF4-FFF2-40B4-BE49-F238E27FC236}">
                     <a16:creationId xmlns:a16="http://schemas.microsoft.com/office/drawing/2014/main" id="{6192F646-A810-61DB-778B-6B403DEAF0A6}"/>
@@ -5852,11 +5857,11 @@
               </a:p>
             </p:txBody>
           </p:sp>
-          <mc:AlternateContent xmlns:mc="http://schemas.openxmlformats.org/markup-compatibility/2006">
-            <mc:Choice xmlns:a14="http://schemas.microsoft.com/office/drawing/2010/main" Requires="a14">
+          <mc:AlternateContent xmlns:mc="http://schemas.openxmlformats.org/markup-compatibility/2006" xmlns:a14="http://schemas.microsoft.com/office/drawing/2010/main">
+            <mc:Choice Requires="a14">
               <p:sp>
                 <p:nvSpPr>
-                  <p:cNvPr id="13" name="Textfeld 12">
+                  <p:cNvPr id="38" name="Textfeld 37">
                     <a:extLst>
                       <a:ext uri="{FF2B5EF4-FFF2-40B4-BE49-F238E27FC236}">
                         <a16:creationId xmlns:a16="http://schemas.microsoft.com/office/drawing/2014/main" id="{C51CA349-FBBA-04B9-491C-E6214812C28F}"/>
@@ -5903,7 +5908,7 @@
                 </p:txBody>
               </p:sp>
             </mc:Choice>
-            <mc:Fallback>
+            <mc:Fallback xmlns="">
               <p:sp>
                 <p:nvSpPr>
                   <p:cNvPr id="13" name="Textfeld 12">
@@ -5951,7 +5956,7 @@
         </p:grpSp>
         <p:grpSp>
           <p:nvGrpSpPr>
-            <p:cNvPr id="9" name="Gruppieren 8">
+            <p:cNvPr id="34" name="Gruppieren 33">
               <a:extLst>
                 <a:ext uri="{FF2B5EF4-FFF2-40B4-BE49-F238E27FC236}">
                   <a16:creationId xmlns:a16="http://schemas.microsoft.com/office/drawing/2014/main" id="{92D09AC6-6786-B917-9EB2-AA2C195A7B29}"/>
@@ -5971,7 +5976,7 @@
           </p:grpSpPr>
           <p:sp>
             <p:nvSpPr>
-              <p:cNvPr id="10" name="Bogen 9">
+              <p:cNvPr id="35" name="Bogen 34">
                 <a:extLst>
                   <a:ext uri="{FF2B5EF4-FFF2-40B4-BE49-F238E27FC236}">
                     <a16:creationId xmlns:a16="http://schemas.microsoft.com/office/drawing/2014/main" id="{4BA96EFA-2EAF-B969-23B6-1AFAC7CA1EFB}"/>
@@ -6022,11 +6027,11 @@
               </a:p>
             </p:txBody>
           </p:sp>
-          <mc:AlternateContent xmlns:mc="http://schemas.openxmlformats.org/markup-compatibility/2006">
-            <mc:Choice xmlns:a14="http://schemas.microsoft.com/office/drawing/2010/main" Requires="a14">
+          <mc:AlternateContent xmlns:mc="http://schemas.openxmlformats.org/markup-compatibility/2006" xmlns:a14="http://schemas.microsoft.com/office/drawing/2010/main">
+            <mc:Choice Requires="a14">
               <p:sp>
                 <p:nvSpPr>
-                  <p:cNvPr id="11" name="Textfeld 10">
+                  <p:cNvPr id="36" name="Textfeld 35">
                     <a:extLst>
                       <a:ext uri="{FF2B5EF4-FFF2-40B4-BE49-F238E27FC236}">
                         <a16:creationId xmlns:a16="http://schemas.microsoft.com/office/drawing/2014/main" id="{49321FDD-3040-8CEA-E79A-2ACA4BB0E39A}"/>
@@ -6073,7 +6078,7 @@
                 </p:txBody>
               </p:sp>
             </mc:Choice>
-            <mc:Fallback>
+            <mc:Fallback xmlns="">
               <p:sp>
                 <p:nvSpPr>
                   <p:cNvPr id="11" name="Textfeld 10">
@@ -6122,7 +6127,7 @@
       </p:grpSp>
       <p:pic>
         <p:nvPicPr>
-          <p:cNvPr id="29" name="Grafik 28">
+          <p:cNvPr id="53" name="Grafik 52">
             <a:extLst>
               <a:ext uri="{FF2B5EF4-FFF2-40B4-BE49-F238E27FC236}">
                 <a16:creationId xmlns:a16="http://schemas.microsoft.com/office/drawing/2014/main" id="{6C723E8C-BBD6-931C-31B1-A6426945F61E}"/>
@@ -6158,7 +6163,7 @@
       </p:pic>
       <p:sp>
         <p:nvSpPr>
-          <p:cNvPr id="30" name="Textfeld 29">
+          <p:cNvPr id="54" name="Textfeld 53">
             <a:extLst>
               <a:ext uri="{FF2B5EF4-FFF2-40B4-BE49-F238E27FC236}">
                 <a16:creationId xmlns:a16="http://schemas.microsoft.com/office/drawing/2014/main" id="{B0B798FF-65BA-0677-05C5-9F1581E7DFE8}"/>
@@ -6602,8 +6607,8 @@
               </a:p>
             </p:txBody>
           </p:sp>
-          <mc:AlternateContent xmlns:mc="http://schemas.openxmlformats.org/markup-compatibility/2006">
-            <mc:Choice xmlns:a14="http://schemas.microsoft.com/office/drawing/2010/main" Requires="a14">
+          <mc:AlternateContent xmlns:mc="http://schemas.openxmlformats.org/markup-compatibility/2006" xmlns:a14="http://schemas.microsoft.com/office/drawing/2010/main">
+            <mc:Choice Requires="a14">
               <p:sp>
                 <p:nvSpPr>
                   <p:cNvPr id="10" name="Textfeld 9">
@@ -6653,7 +6658,7 @@
                 </p:txBody>
               </p:sp>
             </mc:Choice>
-            <mc:Fallback>
+            <mc:Fallback xmlns="">
               <p:sp>
                 <p:nvSpPr>
                   <p:cNvPr id="10" name="Textfeld 9">
@@ -6700,8 +6705,8 @@
           </mc:AlternateContent>
         </p:grpSp>
       </p:grpSp>
-      <mc:AlternateContent xmlns:mc="http://schemas.openxmlformats.org/markup-compatibility/2006">
-        <mc:Choice xmlns:a14="http://schemas.microsoft.com/office/drawing/2010/main" Requires="a14">
+      <mc:AlternateContent xmlns:mc="http://schemas.openxmlformats.org/markup-compatibility/2006" xmlns:a14="http://schemas.microsoft.com/office/drawing/2010/main">
+        <mc:Choice Requires="a14">
           <p:sp>
             <p:nvSpPr>
               <p:cNvPr id="14" name="Textfeld 13">
@@ -6730,6 +6735,7 @@
               </a:bodyPr>
               <a:lstStyle/>
               <a:p>
+                <a:pPr/>
                 <a14:m>
                   <m:oMathPara xmlns:m="http://schemas.openxmlformats.org/officeDocument/2006/math">
                     <m:oMathParaPr>
@@ -6803,7 +6809,7 @@
             </p:txBody>
           </p:sp>
         </mc:Choice>
-        <mc:Fallback>
+        <mc:Fallback xmlns="">
           <p:sp>
             <p:nvSpPr>
               <p:cNvPr id="14" name="Textfeld 13">
@@ -7048,8 +7054,8 @@
           </a:p>
         </p:txBody>
       </p:sp>
-      <mc:AlternateContent xmlns:mc="http://schemas.openxmlformats.org/markup-compatibility/2006">
-        <mc:Choice xmlns:a14="http://schemas.microsoft.com/office/drawing/2010/main" Requires="a14">
+      <mc:AlternateContent xmlns:mc="http://schemas.openxmlformats.org/markup-compatibility/2006" xmlns:a14="http://schemas.microsoft.com/office/drawing/2010/main">
+        <mc:Choice Requires="a14">
           <p:sp>
             <p:nvSpPr>
               <p:cNvPr id="25" name="Textfeld 24">
@@ -7065,7 +7071,7 @@
             <p:spPr>
               <a:xfrm>
                 <a:off x="4471156" y="1642317"/>
-                <a:ext cx="2231637" cy="611258"/>
+                <a:ext cx="2319481" cy="611258"/>
               </a:xfrm>
               <a:prstGeom prst="rect">
                 <a:avLst/>
@@ -7078,6 +7084,7 @@
               </a:bodyPr>
               <a:lstStyle/>
               <a:p>
+                <a:pPr/>
                 <a14:m>
                   <m:oMathPara xmlns:m="http://schemas.openxmlformats.org/officeDocument/2006/math">
                     <m:oMathParaPr>
@@ -7124,6 +7131,124 @@
                           </m:ctrlPr>
                         </m:fPr>
                         <m:num>
+                          <m:func>
+                            <m:funcPr>
+                              <m:ctrlPr>
+                                <a:rPr lang="de-DE" b="0" i="1" smtClean="0">
+                                  <a:latin typeface="Cambria Math" panose="02040503050406030204" pitchFamily="18" charset="0"/>
+                                </a:rPr>
+                              </m:ctrlPr>
+                            </m:funcPr>
+                            <m:fName>
+                              <m:r>
+                                <m:rPr>
+                                  <m:sty m:val="p"/>
+                                </m:rPr>
+                                <a:rPr lang="de-DE" b="0" i="0" smtClean="0">
+                                  <a:latin typeface="Cambria Math" panose="02040503050406030204" pitchFamily="18" charset="0"/>
+                                </a:rPr>
+                                <m:t>min</m:t>
+                              </m:r>
+                            </m:fName>
+                            <m:e>
+                              <m:sSub>
+                                <m:sSubPr>
+                                  <m:ctrlPr>
+                                    <a:rPr lang="de-DE" i="1">
+                                      <a:latin typeface="Cambria Math" panose="02040503050406030204" pitchFamily="18" charset="0"/>
+                                    </a:rPr>
+                                  </m:ctrlPr>
+                                </m:sSubPr>
+                                <m:e>
+                                  <m:r>
+                                    <a:rPr lang="de-DE" i="1">
+                                      <a:latin typeface="Cambria Math" panose="02040503050406030204" pitchFamily="18" charset="0"/>
+                                    </a:rPr>
+                                    <m:t>𝑑</m:t>
+                                  </m:r>
+                                </m:e>
+                                <m:sub>
+                                  <m:r>
+                                    <a:rPr lang="de-DE" i="1">
+                                      <a:latin typeface="Cambria Math" panose="02040503050406030204" pitchFamily="18" charset="0"/>
+                                    </a:rPr>
+                                    <m:t>𝑟𝑎𝑦</m:t>
+                                  </m:r>
+                                </m:sub>
+                              </m:sSub>
+                            </m:e>
+                          </m:func>
+                        </m:num>
+                        <m:den>
+                          <m:sSub>
+                            <m:sSubPr>
+                              <m:ctrlPr>
+                                <a:rPr lang="de-DE" i="1">
+                                  <a:latin typeface="Cambria Math" panose="02040503050406030204" pitchFamily="18" charset="0"/>
+                                </a:rPr>
+                              </m:ctrlPr>
+                            </m:sSubPr>
+                            <m:e>
+                              <m:r>
+                                <a:rPr lang="de-DE" i="1">
+                                  <a:latin typeface="Cambria Math" panose="02040503050406030204" pitchFamily="18" charset="0"/>
+                                </a:rPr>
+                                <m:t>𝑑</m:t>
+                              </m:r>
+                            </m:e>
+                            <m:sub>
+                              <m:r>
+                                <a:rPr lang="de-DE" i="1">
+                                  <a:latin typeface="Cambria Math" panose="02040503050406030204" pitchFamily="18" charset="0"/>
+                                </a:rPr>
+                                <m:t>𝑟𝑎𝑦</m:t>
+                              </m:r>
+                            </m:sub>
+                          </m:sSub>
+                        </m:den>
+                      </m:f>
+                      <m:r>
+                        <a:rPr lang="de-DE" b="0" i="1" smtClean="0">
+                          <a:latin typeface="Cambria Math" panose="02040503050406030204" pitchFamily="18" charset="0"/>
+                        </a:rPr>
+                        <m:t>=</m:t>
+                      </m:r>
+                      <m:f>
+                        <m:fPr>
+                          <m:ctrlPr>
+                            <a:rPr lang="de-DE" b="0" i="1" smtClean="0">
+                              <a:latin typeface="Cambria Math" panose="02040503050406030204" pitchFamily="18" charset="0"/>
+                            </a:rPr>
+                          </m:ctrlPr>
+                        </m:fPr>
+                        <m:num>
+                          <m:sSub>
+                            <m:sSubPr>
+                              <m:ctrlPr>
+                                <a:rPr lang="de-DE" i="1">
+                                  <a:latin typeface="Cambria Math" panose="02040503050406030204" pitchFamily="18" charset="0"/>
+                                </a:rPr>
+                              </m:ctrlPr>
+                            </m:sSubPr>
+                            <m:e>
+                              <m:r>
+                                <a:rPr lang="de-DE" i="1">
+                                  <a:latin typeface="Cambria Math" panose="02040503050406030204" pitchFamily="18" charset="0"/>
+                                </a:rPr>
+                                <m:t>h</m:t>
+                              </m:r>
+                            </m:e>
+                            <m:sub>
+                              <m:r>
+                                <a:rPr lang="de-DE" i="1">
+                                  <a:latin typeface="Cambria Math" panose="02040503050406030204" pitchFamily="18" charset="0"/>
+                                </a:rPr>
+                                <m:t>𝑡𝑟𝑜𝑝</m:t>
+                              </m:r>
+                            </m:sub>
+                          </m:sSub>
+                        </m:num>
+                        <m:den>
                           <m:sSub>
                             <m:sSubPr>
                               <m:ctrlPr>
@@ -7149,124 +7274,6 @@
                               </m:r>
                             </m:sub>
                           </m:sSub>
-                        </m:num>
-                        <m:den>
-                          <m:func>
-                            <m:funcPr>
-                              <m:ctrlPr>
-                                <a:rPr lang="de-DE" b="0" i="1" smtClean="0">
-                                  <a:latin typeface="Cambria Math" panose="02040503050406030204" pitchFamily="18" charset="0"/>
-                                </a:rPr>
-                              </m:ctrlPr>
-                            </m:funcPr>
-                            <m:fName>
-                              <m:r>
-                                <m:rPr>
-                                  <m:sty m:val="p"/>
-                                </m:rPr>
-                                <a:rPr lang="de-DE" b="0" i="0" smtClean="0">
-                                  <a:latin typeface="Cambria Math" panose="02040503050406030204" pitchFamily="18" charset="0"/>
-                                </a:rPr>
-                                <m:t>min</m:t>
-                              </m:r>
-                            </m:fName>
-                            <m:e>
-                              <m:sSub>
-                                <m:sSubPr>
-                                  <m:ctrlPr>
-                                    <a:rPr lang="de-DE" b="0" i="1" smtClean="0">
-                                      <a:latin typeface="Cambria Math" panose="02040503050406030204" pitchFamily="18" charset="0"/>
-                                    </a:rPr>
-                                  </m:ctrlPr>
-                                </m:sSubPr>
-                                <m:e>
-                                  <m:r>
-                                    <a:rPr lang="de-DE" b="0" i="1" smtClean="0">
-                                      <a:latin typeface="Cambria Math" panose="02040503050406030204" pitchFamily="18" charset="0"/>
-                                    </a:rPr>
-                                    <m:t>𝑑</m:t>
-                                  </m:r>
-                                </m:e>
-                                <m:sub>
-                                  <m:r>
-                                    <a:rPr lang="de-DE" b="0" i="1" smtClean="0">
-                                      <a:latin typeface="Cambria Math" panose="02040503050406030204" pitchFamily="18" charset="0"/>
-                                    </a:rPr>
-                                    <m:t>𝑟𝑎𝑦</m:t>
-                                  </m:r>
-                                </m:sub>
-                              </m:sSub>
-                            </m:e>
-                          </m:func>
-                        </m:den>
-                      </m:f>
-                      <m:r>
-                        <a:rPr lang="de-DE" b="0" i="1" smtClean="0">
-                          <a:latin typeface="Cambria Math" panose="02040503050406030204" pitchFamily="18" charset="0"/>
-                        </a:rPr>
-                        <m:t>=</m:t>
-                      </m:r>
-                      <m:f>
-                        <m:fPr>
-                          <m:ctrlPr>
-                            <a:rPr lang="de-DE" b="0" i="1" smtClean="0">
-                              <a:latin typeface="Cambria Math" panose="02040503050406030204" pitchFamily="18" charset="0"/>
-                            </a:rPr>
-                          </m:ctrlPr>
-                        </m:fPr>
-                        <m:num>
-                          <m:sSub>
-                            <m:sSubPr>
-                              <m:ctrlPr>
-                                <a:rPr lang="de-DE" b="0" i="1" smtClean="0">
-                                  <a:latin typeface="Cambria Math" panose="02040503050406030204" pitchFamily="18" charset="0"/>
-                                </a:rPr>
-                              </m:ctrlPr>
-                            </m:sSubPr>
-                            <m:e>
-                              <m:r>
-                                <a:rPr lang="de-DE" b="0" i="1" smtClean="0">
-                                  <a:latin typeface="Cambria Math" panose="02040503050406030204" pitchFamily="18" charset="0"/>
-                                </a:rPr>
-                                <m:t>𝑑</m:t>
-                              </m:r>
-                            </m:e>
-                            <m:sub>
-                              <m:r>
-                                <a:rPr lang="de-DE" b="0" i="1" smtClean="0">
-                                  <a:latin typeface="Cambria Math" panose="02040503050406030204" pitchFamily="18" charset="0"/>
-                                </a:rPr>
-                                <m:t>𝑟𝑎𝑦</m:t>
-                              </m:r>
-                            </m:sub>
-                          </m:sSub>
-                        </m:num>
-                        <m:den>
-                          <m:sSub>
-                            <m:sSubPr>
-                              <m:ctrlPr>
-                                <a:rPr lang="de-DE" b="0" i="1" smtClean="0">
-                                  <a:latin typeface="Cambria Math" panose="02040503050406030204" pitchFamily="18" charset="0"/>
-                                </a:rPr>
-                              </m:ctrlPr>
-                            </m:sSubPr>
-                            <m:e>
-                              <m:r>
-                                <a:rPr lang="de-DE" b="0" i="1" smtClean="0">
-                                  <a:latin typeface="Cambria Math" panose="02040503050406030204" pitchFamily="18" charset="0"/>
-                                </a:rPr>
-                                <m:t>h</m:t>
-                              </m:r>
-                            </m:e>
-                            <m:sub>
-                              <m:r>
-                                <a:rPr lang="de-DE" b="0" i="1" smtClean="0">
-                                  <a:latin typeface="Cambria Math" panose="02040503050406030204" pitchFamily="18" charset="0"/>
-                                </a:rPr>
-                                <m:t>𝑡𝑟𝑜𝑝</m:t>
-                              </m:r>
-                            </m:sub>
-                          </m:sSub>
                         </m:den>
                       </m:f>
                     </m:oMath>
@@ -7277,7 +7284,7 @@
             </p:txBody>
           </p:sp>
         </mc:Choice>
-        <mc:Fallback>
+        <mc:Fallback xmlns="">
           <p:sp>
             <p:nvSpPr>
               <p:cNvPr id="25" name="Textfeld 24">
@@ -7295,7 +7302,7 @@
             <p:spPr>
               <a:xfrm>
                 <a:off x="4471156" y="1642317"/>
-                <a:ext cx="2231637" cy="611258"/>
+                <a:ext cx="2319481" cy="611258"/>
               </a:xfrm>
               <a:prstGeom prst="rect">
                 <a:avLst/>
@@ -7632,8 +7639,8 @@
               </a:p>
             </p:txBody>
           </p:sp>
-          <mc:AlternateContent xmlns:mc="http://schemas.openxmlformats.org/markup-compatibility/2006">
-            <mc:Choice xmlns:a14="http://schemas.microsoft.com/office/drawing/2010/main" Requires="a14">
+          <mc:AlternateContent xmlns:mc="http://schemas.openxmlformats.org/markup-compatibility/2006" xmlns:a14="http://schemas.microsoft.com/office/drawing/2010/main">
+            <mc:Choice Requires="a14">
               <p:sp>
                 <p:nvSpPr>
                   <p:cNvPr id="47" name="Textfeld 46">
@@ -7702,7 +7709,7 @@
                 </p:txBody>
               </p:sp>
             </mc:Choice>
-            <mc:Fallback>
+            <mc:Fallback xmlns="">
               <p:sp>
                 <p:nvSpPr>
                   <p:cNvPr id="47" name="Textfeld 46">
@@ -7817,8 +7824,8 @@
               </a:p>
             </p:txBody>
           </p:sp>
-          <mc:AlternateContent xmlns:mc="http://schemas.openxmlformats.org/markup-compatibility/2006">
-            <mc:Choice xmlns:a14="http://schemas.microsoft.com/office/drawing/2010/main" Requires="a14">
+          <mc:AlternateContent xmlns:mc="http://schemas.openxmlformats.org/markup-compatibility/2006" xmlns:a14="http://schemas.microsoft.com/office/drawing/2010/main">
+            <mc:Choice Requires="a14">
               <p:sp>
                 <p:nvSpPr>
                   <p:cNvPr id="45" name="Textfeld 44">
@@ -7887,7 +7894,7 @@
                 </p:txBody>
               </p:sp>
             </mc:Choice>
-            <mc:Fallback>
+            <mc:Fallback xmlns="">
               <p:sp>
                 <p:nvSpPr>
                   <p:cNvPr id="45" name="Textfeld 44">
@@ -8038,8 +8045,8 @@
               </a:fontRef>
             </p:style>
           </p:cxnSp>
-          <mc:AlternateContent xmlns:mc="http://schemas.openxmlformats.org/markup-compatibility/2006">
-            <mc:Choice xmlns:a14="http://schemas.microsoft.com/office/drawing/2010/main" Requires="a14">
+          <mc:AlternateContent xmlns:mc="http://schemas.openxmlformats.org/markup-compatibility/2006" xmlns:a14="http://schemas.microsoft.com/office/drawing/2010/main">
+            <mc:Choice Requires="a14">
               <p:sp>
                 <p:nvSpPr>
                   <p:cNvPr id="43" name="Textfeld 42">
@@ -8108,7 +8115,7 @@
                 </p:txBody>
               </p:sp>
             </mc:Choice>
-            <mc:Fallback>
+            <mc:Fallback xmlns="">
               <p:sp>
                 <p:nvSpPr>
                   <p:cNvPr id="43" name="Textfeld 42">
@@ -8383,8 +8390,8 @@
               </p:style>
             </p:cxnSp>
           </p:grpSp>
-          <mc:AlternateContent xmlns:mc="http://schemas.openxmlformats.org/markup-compatibility/2006">
-            <mc:Choice xmlns:a14="http://schemas.microsoft.com/office/drawing/2010/main" Requires="a14">
+          <mc:AlternateContent xmlns:mc="http://schemas.openxmlformats.org/markup-compatibility/2006" xmlns:a14="http://schemas.microsoft.com/office/drawing/2010/main">
+            <mc:Choice Requires="a14">
               <p:sp>
                 <p:nvSpPr>
                   <p:cNvPr id="35" name="Textfeld 34">
@@ -8434,7 +8441,7 @@
                 </p:txBody>
               </p:sp>
             </mc:Choice>
-            <mc:Fallback>
+            <mc:Fallback xmlns="">
               <p:sp>
                 <p:nvSpPr>
                   <p:cNvPr id="35" name="Textfeld 34">
@@ -8533,8 +8540,8 @@
           </p:sp>
         </p:grpSp>
       </p:grpSp>
-      <mc:AlternateContent xmlns:mc="http://schemas.openxmlformats.org/markup-compatibility/2006">
-        <mc:Choice xmlns:a14="http://schemas.microsoft.com/office/drawing/2010/main" Requires="a14">
+      <mc:AlternateContent xmlns:mc="http://schemas.openxmlformats.org/markup-compatibility/2006" xmlns:a14="http://schemas.microsoft.com/office/drawing/2010/main">
+        <mc:Choice Requires="a14">
           <p:sp>
             <p:nvSpPr>
               <p:cNvPr id="50" name="Textfeld 49">
@@ -8563,6 +8570,7 @@
               </a:bodyPr>
               <a:lstStyle/>
               <a:p>
+                <a:pPr/>
                 <a14:m>
                   <m:oMathPara xmlns:m="http://schemas.openxmlformats.org/officeDocument/2006/math">
                     <m:oMathParaPr>
@@ -8837,7 +8845,7 @@
             </p:txBody>
           </p:sp>
         </mc:Choice>
-        <mc:Fallback>
+        <mc:Fallback xmlns="">
           <p:sp>
             <p:nvSpPr>
               <p:cNvPr id="50" name="Textfeld 49">
@@ -8945,8 +8953,8 @@
           </a:p>
         </p:txBody>
       </p:sp>
-      <mc:AlternateContent xmlns:mc="http://schemas.openxmlformats.org/markup-compatibility/2006">
-        <mc:Choice xmlns:a14="http://schemas.microsoft.com/office/drawing/2010/main" Requires="a14">
+      <mc:AlternateContent xmlns:mc="http://schemas.openxmlformats.org/markup-compatibility/2006" xmlns:a14="http://schemas.microsoft.com/office/drawing/2010/main">
+        <mc:Choice Requires="a14">
           <p:sp>
             <p:nvSpPr>
               <p:cNvPr id="4" name="Textfeld 3">
@@ -8975,6 +8983,7 @@
               </a:bodyPr>
               <a:lstStyle/>
               <a:p>
+                <a:pPr/>
                 <a14:m>
                   <m:oMathPara xmlns:m="http://schemas.openxmlformats.org/officeDocument/2006/math">
                     <m:oMathParaPr>
@@ -9107,7 +9116,7 @@
             </p:txBody>
           </p:sp>
         </mc:Choice>
-        <mc:Fallback>
+        <mc:Fallback xmlns="">
           <p:sp>
             <p:nvSpPr>
               <p:cNvPr id="4" name="Textfeld 3">
@@ -9715,16 +9724,13 @@
                   <a:rPr lang="de-DE" dirty="0" err="1"/>
                   <a:t>minimization</a:t>
                 </a:r>
+                <a:br>
+                  <a:rPr lang="de-DE" dirty="0"/>
+                </a:br>
                 <a:r>
                   <a:rPr lang="de-DE" dirty="0"/>
                   <a:t> </a:t>
                 </a:r>
-                <a:endParaRPr lang="de-DE" b="0" i="1" dirty="0">
-                  <a:latin typeface="Cambria Math" panose="02040503050406030204" pitchFamily="18" charset="0"/>
-                </a:endParaRPr>
-              </a:p>
-              <a:p>
-                <a:pPr lvl="1"/>
                 <a14:m>
                   <m:oMath xmlns:m="http://schemas.openxmlformats.org/officeDocument/2006/math">
                     <m:sSub>
@@ -10037,8 +10043,8 @@
           </a:fontRef>
         </p:style>
       </p:cxnSp>
-      <mc:AlternateContent xmlns:mc="http://schemas.openxmlformats.org/markup-compatibility/2006">
-        <mc:Choice xmlns:a14="http://schemas.microsoft.com/office/drawing/2010/main" Requires="a14">
+      <mc:AlternateContent xmlns:mc="http://schemas.openxmlformats.org/markup-compatibility/2006" xmlns:a14="http://schemas.microsoft.com/office/drawing/2010/main">
+        <mc:Choice Requires="a14">
           <p:sp>
             <p:nvSpPr>
               <p:cNvPr id="12" name="Textfeld 11">
@@ -10107,7 +10113,7 @@
             </p:txBody>
           </p:sp>
         </mc:Choice>
-        <mc:Fallback>
+        <mc:Fallback xmlns="">
           <p:sp>
             <p:nvSpPr>
               <p:cNvPr id="12" name="Textfeld 11">
@@ -10152,8 +10158,8 @@
           </p:sp>
         </mc:Fallback>
       </mc:AlternateContent>
-      <mc:AlternateContent xmlns:mc="http://schemas.openxmlformats.org/markup-compatibility/2006">
-        <mc:Choice xmlns:a14="http://schemas.microsoft.com/office/drawing/2010/main" Requires="a14">
+      <mc:AlternateContent xmlns:mc="http://schemas.openxmlformats.org/markup-compatibility/2006" xmlns:a14="http://schemas.microsoft.com/office/drawing/2010/main">
+        <mc:Choice Requires="a14">
           <p:sp>
             <p:nvSpPr>
               <p:cNvPr id="13" name="Textfeld 12">
@@ -10222,7 +10228,7 @@
             </p:txBody>
           </p:sp>
         </mc:Choice>
-        <mc:Fallback>
+        <mc:Fallback xmlns="">
           <p:sp>
             <p:nvSpPr>
               <p:cNvPr id="13" name="Textfeld 12">

--- a/doc/Midterm Report.pptx
+++ b/doc/Midterm Report.pptx
@@ -266,7 +266,7 @@
           <a:p>
             <a:fld id="{70632328-27DD-4000-B32C-B0BE9BD6F742}" type="datetimeFigureOut">
               <a:rPr lang="de-DE" smtClean="0"/>
-              <a:t>12.11.2024</a:t>
+              <a:t>17.11.2024</a:t>
             </a:fld>
             <a:endParaRPr lang="de-DE"/>
           </a:p>
@@ -464,7 +464,7 @@
           <a:p>
             <a:fld id="{70632328-27DD-4000-B32C-B0BE9BD6F742}" type="datetimeFigureOut">
               <a:rPr lang="de-DE" smtClean="0"/>
-              <a:t>12.11.2024</a:t>
+              <a:t>17.11.2024</a:t>
             </a:fld>
             <a:endParaRPr lang="de-DE"/>
           </a:p>
@@ -672,7 +672,7 @@
           <a:p>
             <a:fld id="{70632328-27DD-4000-B32C-B0BE9BD6F742}" type="datetimeFigureOut">
               <a:rPr lang="de-DE" smtClean="0"/>
-              <a:t>12.11.2024</a:t>
+              <a:t>17.11.2024</a:t>
             </a:fld>
             <a:endParaRPr lang="de-DE"/>
           </a:p>
@@ -870,7 +870,7 @@
           <a:p>
             <a:fld id="{70632328-27DD-4000-B32C-B0BE9BD6F742}" type="datetimeFigureOut">
               <a:rPr lang="de-DE" smtClean="0"/>
-              <a:t>12.11.2024</a:t>
+              <a:t>17.11.2024</a:t>
             </a:fld>
             <a:endParaRPr lang="de-DE"/>
           </a:p>
@@ -1145,7 +1145,7 @@
           <a:p>
             <a:fld id="{70632328-27DD-4000-B32C-B0BE9BD6F742}" type="datetimeFigureOut">
               <a:rPr lang="de-DE" smtClean="0"/>
-              <a:t>12.11.2024</a:t>
+              <a:t>17.11.2024</a:t>
             </a:fld>
             <a:endParaRPr lang="de-DE"/>
           </a:p>
@@ -1410,7 +1410,7 @@
           <a:p>
             <a:fld id="{70632328-27DD-4000-B32C-B0BE9BD6F742}" type="datetimeFigureOut">
               <a:rPr lang="de-DE" smtClean="0"/>
-              <a:t>12.11.2024</a:t>
+              <a:t>17.11.2024</a:t>
             </a:fld>
             <a:endParaRPr lang="de-DE"/>
           </a:p>
@@ -1822,7 +1822,7 @@
           <a:p>
             <a:fld id="{70632328-27DD-4000-B32C-B0BE9BD6F742}" type="datetimeFigureOut">
               <a:rPr lang="de-DE" smtClean="0"/>
-              <a:t>12.11.2024</a:t>
+              <a:t>17.11.2024</a:t>
             </a:fld>
             <a:endParaRPr lang="de-DE"/>
           </a:p>
@@ -1963,7 +1963,7 @@
           <a:p>
             <a:fld id="{70632328-27DD-4000-B32C-B0BE9BD6F742}" type="datetimeFigureOut">
               <a:rPr lang="de-DE" smtClean="0"/>
-              <a:t>12.11.2024</a:t>
+              <a:t>17.11.2024</a:t>
             </a:fld>
             <a:endParaRPr lang="de-DE"/>
           </a:p>
@@ -2076,7 +2076,7 @@
           <a:p>
             <a:fld id="{70632328-27DD-4000-B32C-B0BE9BD6F742}" type="datetimeFigureOut">
               <a:rPr lang="de-DE" smtClean="0"/>
-              <a:t>12.11.2024</a:t>
+              <a:t>17.11.2024</a:t>
             </a:fld>
             <a:endParaRPr lang="de-DE"/>
           </a:p>
@@ -2387,7 +2387,7 @@
           <a:p>
             <a:fld id="{70632328-27DD-4000-B32C-B0BE9BD6F742}" type="datetimeFigureOut">
               <a:rPr lang="de-DE" smtClean="0"/>
-              <a:t>12.11.2024</a:t>
+              <a:t>17.11.2024</a:t>
             </a:fld>
             <a:endParaRPr lang="de-DE"/>
           </a:p>
@@ -2675,7 +2675,7 @@
           <a:p>
             <a:fld id="{70632328-27DD-4000-B32C-B0BE9BD6F742}" type="datetimeFigureOut">
               <a:rPr lang="de-DE" smtClean="0"/>
-              <a:t>12.11.2024</a:t>
+              <a:t>17.11.2024</a:t>
             </a:fld>
             <a:endParaRPr lang="de-DE"/>
           </a:p>
@@ -2916,7 +2916,7 @@
           <a:p>
             <a:fld id="{70632328-27DD-4000-B32C-B0BE9BD6F742}" type="datetimeFigureOut">
               <a:rPr lang="de-DE" smtClean="0"/>
-              <a:t>12.11.2024</a:t>
+              <a:t>17.11.2024</a:t>
             </a:fld>
             <a:endParaRPr lang="de-DE"/>
           </a:p>
@@ -9667,8 +9667,8 @@
           </a:p>
         </p:txBody>
       </p:sp>
-      <mc:AlternateContent xmlns:mc="http://schemas.openxmlformats.org/markup-compatibility/2006">
-        <mc:Choice xmlns:a14="http://schemas.microsoft.com/office/drawing/2010/main" Requires="a14">
+      <mc:AlternateContent xmlns:mc="http://schemas.openxmlformats.org/markup-compatibility/2006" xmlns:a14="http://schemas.microsoft.com/office/drawing/2010/main">
+        <mc:Choice Requires="a14">
           <p:sp>
             <p:nvSpPr>
               <p:cNvPr id="3" name="Inhaltsplatzhalter 2">
@@ -9877,7 +9877,7 @@
             </p:txBody>
           </p:sp>
         </mc:Choice>
-        <mc:Fallback>
+        <mc:Fallback xmlns="">
           <p:sp>
             <p:nvSpPr>
               <p:cNvPr id="3" name="Inhaltsplatzhalter 2">
